--- a/smart-authorization-lab.pptx
+++ b/smart-authorization-lab.pptx
@@ -8825,7 +8825,7 @@
           <a:p>
             <a:r>
               <a:rPr lang="en-US" dirty="0"/>
-              <a:t>Brian Heits</a:t>
+              <a:t>&lt;Trainer name&gt;</a:t>
             </a:r>
           </a:p>
         </p:txBody>
@@ -8852,11 +8852,11 @@
           <a:p>
             <a:r>
               <a:rPr lang="en-US" dirty="0"/>
-              <a:t>Associate Lead </a:t>
+              <a:t>&lt;</a:t>
             </a:r>
             <a:r>
               <a:rPr lang="en-US"/>
-              <a:t>Software Engineer – </a:t>
+              <a:t>Trainer role&gt; – </a:t>
             </a:r>
             <a:r>
               <a:rPr lang="en-US" dirty="0"/>
@@ -8887,7 +8887,7 @@
           <a:p>
             <a:r>
               <a:rPr lang="en-US" dirty="0"/>
-              <a:t>May 6-9th, 2019</a:t>
+              <a:t>March 6th, 2019</a:t>
             </a:r>
           </a:p>
         </p:txBody>

--- a/smart-authorization-lab.pptx
+++ b/smart-authorization-lab.pptx
@@ -495,7 +495,7 @@
           <a:p>
             <a:fld id="{0ECAA56D-6859-4EF7-83F5-F26517F8F86A}" type="datetimeFigureOut">
               <a:rPr lang="en-US" smtClean="0"/>
-              <a:t>5/3/2019</a:t>
+              <a:t>7/11/2019</a:t>
             </a:fld>
             <a:endParaRPr lang="en-US"/>
           </a:p>
@@ -661,7 +661,7 @@
           <a:p>
             <a:fld id="{99A7A732-E016-4A82-A589-F6E10816C5CA}" type="datetimeFigureOut">
               <a:rPr lang="en-US" smtClean="0"/>
-              <a:t>5/3/2019</a:t>
+              <a:t>7/11/2019</a:t>
             </a:fld>
             <a:endParaRPr lang="en-US"/>
           </a:p>
@@ -8825,7 +8825,7 @@
           <a:p>
             <a:r>
               <a:rPr lang="en-US" dirty="0"/>
-              <a:t>&lt;Trainer name&gt;</a:t>
+              <a:t>Brian Heits</a:t>
             </a:r>
           </a:p>
         </p:txBody>
@@ -8852,42 +8852,7 @@
           <a:p>
             <a:r>
               <a:rPr lang="en-US" dirty="0"/>
-              <a:t>&lt;</a:t>
-            </a:r>
-            <a:r>
-              <a:rPr lang="en-US"/>
-              <a:t>Trainer role&gt; – </a:t>
-            </a:r>
-            <a:r>
-              <a:rPr lang="en-US" dirty="0"/>
-              <a:t>Edge Professional Services</a:t>
-            </a:r>
-          </a:p>
-        </p:txBody>
-      </p:sp>
-      <p:sp>
-        <p:nvSpPr>
-          <p:cNvPr id="4" name="Text Placeholder 3"/>
-          <p:cNvSpPr>
-            <a:spLocks noGrp="1"/>
-          </p:cNvSpPr>
-          <p:nvPr>
-            <p:ph type="body" sz="quarter" idx="13"/>
-          </p:nvPr>
-        </p:nvSpPr>
-        <p:spPr>
-          <a:xfrm>
-            <a:off x="769939" y="6024556"/>
-            <a:ext cx="7397751" cy="287257"/>
-          </a:xfrm>
-        </p:spPr>
-        <p:txBody>
-          <a:bodyPr/>
-          <a:lstStyle/>
-          <a:p>
-            <a:r>
-              <a:rPr lang="en-US" dirty="0"/>
-              <a:t>March 6th, 2019</a:t>
+              <a:t>Associate Lead Software Engineer – Edge Professional Services</a:t>
             </a:r>
           </a:p>
         </p:txBody>

--- a/smart-authorization-lab.pptx
+++ b/smart-authorization-lab.pptx
@@ -37,10 +37,10 @@
     <p:sldId id="310" r:id="rId25"/>
     <p:sldId id="311" r:id="rId26"/>
     <p:sldId id="312" r:id="rId27"/>
-    <p:sldId id="313" r:id="rId28"/>
-    <p:sldId id="314" r:id="rId29"/>
-    <p:sldId id="315" r:id="rId30"/>
-    <p:sldId id="316" r:id="rId31"/>
+    <p:sldId id="316" r:id="rId28"/>
+    <p:sldId id="313" r:id="rId29"/>
+    <p:sldId id="314" r:id="rId30"/>
+    <p:sldId id="315" r:id="rId31"/>
     <p:sldId id="317" r:id="rId32"/>
     <p:sldId id="319" r:id="rId33"/>
     <p:sldId id="318" r:id="rId34"/>
@@ -249,10 +249,10 @@
             <p14:sldId id="310"/>
             <p14:sldId id="311"/>
             <p14:sldId id="312"/>
+            <p14:sldId id="316"/>
             <p14:sldId id="313"/>
             <p14:sldId id="314"/>
             <p14:sldId id="315"/>
-            <p14:sldId id="316"/>
             <p14:sldId id="317"/>
             <p14:sldId id="319"/>
             <p14:sldId id="318"/>
@@ -404,6 +404,35 @@
 </p:cmAuthorLst>
 </file>
 
+<file path=ppt/changesInfos/changesInfo1.xml><?xml version="1.0" encoding="utf-8"?>
+<pc:chgInfo xmlns:a="http://schemas.openxmlformats.org/drawingml/2006/main" xmlns:r="http://schemas.openxmlformats.org/officeDocument/2006/relationships" xmlns:ac="http://schemas.microsoft.com/office/drawing/2013/main/command" xmlns:pc="http://schemas.microsoft.com/office/powerpoint/2013/main/command">
+  <pc:docChgLst>
+    <pc:chgData name="Heits,Brian" userId="4566fefd-61b7-4c5a-b683-1c8fdafc2832" providerId="ADAL" clId="{80817DA2-6157-4384-BA34-5A3441ECDF9F}"/>
+    <pc:docChg chg="custSel modSld">
+      <pc:chgData name="Heits,Brian" userId="4566fefd-61b7-4c5a-b683-1c8fdafc2832" providerId="ADAL" clId="{80817DA2-6157-4384-BA34-5A3441ECDF9F}" dt="2019-10-15T00:15:31.605" v="23" actId="20577"/>
+      <pc:docMkLst>
+        <pc:docMk/>
+      </pc:docMkLst>
+      <pc:sldChg chg="modSp">
+        <pc:chgData name="Heits,Brian" userId="4566fefd-61b7-4c5a-b683-1c8fdafc2832" providerId="ADAL" clId="{80817DA2-6157-4384-BA34-5A3441ECDF9F}" dt="2019-10-15T00:15:31.605" v="23" actId="20577"/>
+        <pc:sldMkLst>
+          <pc:docMk/>
+          <pc:sldMk cId="813177936" sldId="283"/>
+        </pc:sldMkLst>
+        <pc:spChg chg="mod">
+          <ac:chgData name="Heits,Brian" userId="4566fefd-61b7-4c5a-b683-1c8fdafc2832" providerId="ADAL" clId="{80817DA2-6157-4384-BA34-5A3441ECDF9F}" dt="2019-10-15T00:15:31.605" v="23" actId="20577"/>
+          <ac:spMkLst>
+            <pc:docMk/>
+            <pc:sldMk cId="813177936" sldId="283"/>
+            <ac:spMk id="4" creationId="{00000000-0000-0000-0000-000000000000}"/>
+          </ac:spMkLst>
+        </pc:spChg>
+      </pc:sldChg>
+    </pc:docChg>
+  </pc:docChgLst>
+</pc:chgInfo>
+</file>
+
 <file path=ppt/comments/comment1.xml><?xml version="1.0" encoding="utf-8"?>
 <p:cmLst xmlns:a="http://schemas.openxmlformats.org/drawingml/2006/main" xmlns:r="http://schemas.openxmlformats.org/officeDocument/2006/relationships" xmlns:p="http://schemas.openxmlformats.org/presentationml/2006/main">
   <p:cm authorId="0" dt="2014-08-25T11:42:53.754" idx="2">
@@ -495,7 +524,7 @@
           <a:p>
             <a:fld id="{0ECAA56D-6859-4EF7-83F5-F26517F8F86A}" type="datetimeFigureOut">
               <a:rPr lang="en-US" smtClean="0"/>
-              <a:t>7/11/2019</a:t>
+              <a:t>10/14/2019</a:t>
             </a:fld>
             <a:endParaRPr lang="en-US"/>
           </a:p>
@@ -661,7 +690,7 @@
           <a:p>
             <a:fld id="{99A7A732-E016-4A82-A589-F6E10816C5CA}" type="datetimeFigureOut">
               <a:rPr lang="en-US" smtClean="0"/>
-              <a:t>7/11/2019</a:t>
+              <a:t>10/14/2019</a:t>
             </a:fld>
             <a:endParaRPr lang="en-US"/>
           </a:p>
@@ -8857,6 +8886,49 @@
           </a:p>
         </p:txBody>
       </p:sp>
+      <p:sp>
+        <p:nvSpPr>
+          <p:cNvPr id="4" name="Text Placeholder 3"/>
+          <p:cNvSpPr>
+            <a:spLocks noGrp="1"/>
+          </p:cNvSpPr>
+          <p:nvPr>
+            <p:ph type="body" sz="quarter" idx="13"/>
+          </p:nvPr>
+        </p:nvSpPr>
+        <p:spPr>
+          <a:xfrm>
+            <a:off x="769939" y="6024556"/>
+            <a:ext cx="7397751" cy="287257"/>
+          </a:xfrm>
+        </p:spPr>
+        <p:txBody>
+          <a:bodyPr/>
+          <a:lstStyle/>
+          <a:p>
+            <a:r>
+              <a:rPr lang="en-US" dirty="0"/>
+              <a:t>October 15</a:t>
+            </a:r>
+            <a:r>
+              <a:rPr lang="en-US" baseline="30000" dirty="0"/>
+              <a:t>th</a:t>
+            </a:r>
+            <a:r>
+              <a:rPr lang="en-US" dirty="0"/>
+              <a:t> – 17</a:t>
+            </a:r>
+            <a:r>
+              <a:rPr lang="en-US" baseline="30000" dirty="0"/>
+              <a:t>th</a:t>
+            </a:r>
+            <a:r>
+              <a:rPr lang="en-US" dirty="0"/>
+              <a:t>, 2019</a:t>
+            </a:r>
+          </a:p>
+        </p:txBody>
+      </p:sp>
       <p:pic>
         <p:nvPicPr>
           <p:cNvPr id="8" name="Picture 7"/>
@@ -10920,7 +10992,7 @@
         <p:spPr>
           <a:xfrm>
             <a:off x="1609344" y="347474"/>
-            <a:ext cx="9107424" cy="5632311"/>
+            <a:ext cx="9107424" cy="6740307"/>
           </a:xfrm>
           <a:prstGeom prst="rect">
             <a:avLst/>
@@ -11044,7 +11116,25 @@
                 </a:solidFill>
                 <a:latin typeface="+mn-lt"/>
               </a:rPr>
-              <a:t>Clear the field “launch code”</a:t>
+              <a:t>Clear the field “launch code” (</a:t>
+            </a:r>
+            <a:r>
+              <a:rPr lang="en-US" b="0" dirty="0" err="1">
+                <a:solidFill>
+                  <a:schemeClr val="accent3"/>
+                </a:solidFill>
+                <a:latin typeface="+mn-lt"/>
+              </a:rPr>
+              <a:t>ie</a:t>
+            </a:r>
+            <a:r>
+              <a:rPr lang="en-US" b="0" dirty="0">
+                <a:solidFill>
+                  <a:schemeClr val="accent3"/>
+                </a:solidFill>
+                <a:latin typeface="+mn-lt"/>
+              </a:rPr>
+              <a:t>. 44b2deee-db44-4b01-9cdb-9843096e4fbd)</a:t>
             </a:r>
           </a:p>
           <a:p>
@@ -11411,8 +11501,8 @@
         </p:nvSpPr>
         <p:spPr>
           <a:xfrm>
-            <a:off x="1609344" y="347474"/>
-            <a:ext cx="9107424" cy="4524315"/>
+            <a:off x="1609344" y="347473"/>
+            <a:ext cx="9107424" cy="7294305"/>
           </a:xfrm>
           <a:prstGeom prst="rect">
             <a:avLst/>
@@ -11433,25 +11523,7 @@
                 </a:solidFill>
                 <a:latin typeface="+mn-lt"/>
               </a:rPr>
-              <a:t>Step 1:  Prepare an authorization request with the “</a:t>
-            </a:r>
-            <a:r>
-              <a:rPr lang="en-US" b="0" dirty="0" err="1">
-                <a:solidFill>
-                  <a:schemeClr val="accent3"/>
-                </a:solidFill>
-                <a:latin typeface="+mn-lt"/>
-              </a:rPr>
-              <a:t>openid</a:t>
-            </a:r>
-            <a:r>
-              <a:rPr lang="en-US" b="0" dirty="0">
-                <a:solidFill>
-                  <a:schemeClr val="accent3"/>
-                </a:solidFill>
-                <a:latin typeface="+mn-lt"/>
-              </a:rPr>
-              <a:t>” scope</a:t>
+              <a:t>Steps to Validate OpenID Connect Tokens:</a:t>
             </a:r>
           </a:p>
           <a:p>
@@ -11475,7 +11547,154 @@
                 </a:solidFill>
                 <a:latin typeface="+mn-lt"/>
               </a:rPr>
-              <a:t>In section 2, change the scopes to the following:</a:t>
+              <a:t>Parse the JWT contents.</a:t>
+            </a:r>
+          </a:p>
+          <a:p>
+            <a:pPr marL="571500" indent="-571500">
+              <a:buFont typeface="Arial" panose="020B0604020202020204" pitchFamily="34" charset="0"/>
+              <a:buChar char="•"/>
+            </a:pPr>
+            <a:r>
+              <a:rPr lang="en-US" b="0" dirty="0">
+                <a:solidFill>
+                  <a:schemeClr val="accent3"/>
+                </a:solidFill>
+                <a:latin typeface="+mn-lt"/>
+              </a:rPr>
+              <a:t>Identify the “issuer”.</a:t>
+            </a:r>
+          </a:p>
+          <a:p>
+            <a:pPr marL="571500" indent="-571500">
+              <a:buFont typeface="Arial" panose="020B0604020202020204" pitchFamily="34" charset="0"/>
+              <a:buChar char="•"/>
+            </a:pPr>
+            <a:r>
+              <a:rPr lang="en-US" b="0" dirty="0">
+                <a:solidFill>
+                  <a:schemeClr val="accent3"/>
+                </a:solidFill>
+                <a:latin typeface="+mn-lt"/>
+              </a:rPr>
+              <a:t>Fetch the </a:t>
+            </a:r>
+            <a:r>
+              <a:rPr lang="en-US" b="0" dirty="0" err="1">
+                <a:solidFill>
+                  <a:schemeClr val="accent3"/>
+                </a:solidFill>
+                <a:latin typeface="+mn-lt"/>
+              </a:rPr>
+              <a:t>openid</a:t>
+            </a:r>
+            <a:r>
+              <a:rPr lang="en-US" b="0" dirty="0">
+                <a:solidFill>
+                  <a:schemeClr val="accent3"/>
+                </a:solidFill>
+                <a:latin typeface="+mn-lt"/>
+              </a:rPr>
+              <a:t>-configuration document for the issuer.</a:t>
+            </a:r>
+          </a:p>
+          <a:p>
+            <a:pPr marL="571500" indent="-571500">
+              <a:buFont typeface="Arial" panose="020B0604020202020204" pitchFamily="34" charset="0"/>
+              <a:buChar char="•"/>
+            </a:pPr>
+            <a:r>
+              <a:rPr lang="en-US" b="0" dirty="0">
+                <a:solidFill>
+                  <a:schemeClr val="accent3"/>
+                </a:solidFill>
+                <a:latin typeface="+mn-lt"/>
+              </a:rPr>
+              <a:t>Locate the JSON web keys (</a:t>
+            </a:r>
+            <a:r>
+              <a:rPr lang="en-US" b="0" dirty="0" err="1">
+                <a:solidFill>
+                  <a:schemeClr val="accent3"/>
+                </a:solidFill>
+                <a:latin typeface="+mn-lt"/>
+              </a:rPr>
+              <a:t>jwks_uri</a:t>
+            </a:r>
+            <a:r>
+              <a:rPr lang="en-US" b="0" dirty="0">
+                <a:solidFill>
+                  <a:schemeClr val="accent3"/>
+                </a:solidFill>
+                <a:latin typeface="+mn-lt"/>
+              </a:rPr>
+              <a:t>) from the configuration document.</a:t>
+            </a:r>
+          </a:p>
+          <a:p>
+            <a:pPr marL="571500" indent="-571500">
+              <a:buFont typeface="Arial" panose="020B0604020202020204" pitchFamily="34" charset="0"/>
+              <a:buChar char="•"/>
+            </a:pPr>
+            <a:r>
+              <a:rPr lang="en-US" b="0" dirty="0">
+                <a:solidFill>
+                  <a:schemeClr val="accent3"/>
+                </a:solidFill>
+                <a:latin typeface="+mn-lt"/>
+              </a:rPr>
+              <a:t>Obtain the key used to sign the </a:t>
+            </a:r>
+            <a:r>
+              <a:rPr lang="en-US" b="0" dirty="0" err="1">
+                <a:solidFill>
+                  <a:schemeClr val="accent3"/>
+                </a:solidFill>
+                <a:latin typeface="+mn-lt"/>
+              </a:rPr>
+              <a:t>id_token</a:t>
+            </a:r>
+            <a:r>
+              <a:rPr lang="en-US" b="0" dirty="0">
+                <a:solidFill>
+                  <a:schemeClr val="accent3"/>
+                </a:solidFill>
+                <a:latin typeface="+mn-lt"/>
+              </a:rPr>
+              <a:t> from the </a:t>
+            </a:r>
+            <a:r>
+              <a:rPr lang="en-US" b="0" dirty="0" err="1">
+                <a:solidFill>
+                  <a:schemeClr val="accent3"/>
+                </a:solidFill>
+                <a:latin typeface="+mn-lt"/>
+              </a:rPr>
+              <a:t>jwk</a:t>
+            </a:r>
+            <a:r>
+              <a:rPr lang="en-US" b="0" dirty="0">
+                <a:solidFill>
+                  <a:schemeClr val="accent3"/>
+                </a:solidFill>
+                <a:latin typeface="+mn-lt"/>
+              </a:rPr>
+              <a:t> endpoint.</a:t>
+            </a:r>
+          </a:p>
+          <a:p>
+            <a:pPr marL="571500" indent="-571500">
+              <a:buFont typeface="Arial" panose="020B0604020202020204" pitchFamily="34" charset="0"/>
+              <a:buChar char="•"/>
+            </a:pPr>
+            <a:r>
+              <a:rPr lang="en-US" b="0" dirty="0">
+                <a:solidFill>
+                  <a:schemeClr val="accent3"/>
+                </a:solidFill>
+                <a:latin typeface="+mn-lt"/>
+              </a:rPr>
+              <a:t>Validate the token signature.</a:t>
             </a:r>
           </a:p>
           <a:p>
@@ -11491,42 +11710,6 @@
             </a:endParaRPr>
           </a:p>
           <a:p>
-            <a:r>
-              <a:rPr lang="en-US" b="0" dirty="0">
-                <a:solidFill>
-                  <a:schemeClr val="accent3"/>
-                </a:solidFill>
-                <a:latin typeface="+mn-lt"/>
-              </a:rPr>
-              <a:t>user/</a:t>
-            </a:r>
-            <a:r>
-              <a:rPr lang="en-US" b="0" dirty="0" err="1">
-                <a:solidFill>
-                  <a:schemeClr val="accent3"/>
-                </a:solidFill>
-                <a:latin typeface="+mn-lt"/>
-              </a:rPr>
-              <a:t>Patient.read</a:t>
-            </a:r>
-            <a:r>
-              <a:rPr lang="en-US" b="0" dirty="0">
-                <a:solidFill>
-                  <a:schemeClr val="accent3"/>
-                </a:solidFill>
-                <a:latin typeface="+mn-lt"/>
-              </a:rPr>
-              <a:t> </a:t>
-            </a:r>
-            <a:r>
-              <a:rPr lang="en-US" b="0" dirty="0" err="1">
-                <a:solidFill>
-                  <a:schemeClr val="accent3"/>
-                </a:solidFill>
-                <a:latin typeface="+mn-lt"/>
-              </a:rPr>
-              <a:t>openid</a:t>
-            </a:r>
             <a:endParaRPr lang="en-US" b="0" dirty="0">
               <a:solidFill>
                 <a:schemeClr val="accent3"/>
@@ -11534,20 +11717,12 @@
               <a:latin typeface="+mn-lt"/>
             </a:endParaRPr>
           </a:p>
-          <a:p>
-            <a:endParaRPr lang="en-US" b="0" dirty="0">
-              <a:solidFill>
-                <a:schemeClr val="accent3"/>
-              </a:solidFill>
-              <a:latin typeface="+mn-lt"/>
-            </a:endParaRPr>
-          </a:p>
         </p:txBody>
       </p:sp>
     </p:spTree>
     <p:extLst>
       <p:ext uri="{BB962C8B-B14F-4D97-AF65-F5344CB8AC3E}">
-        <p14:creationId xmlns:p14="http://schemas.microsoft.com/office/powerpoint/2010/main" val="443335589"/>
+        <p14:creationId xmlns:p14="http://schemas.microsoft.com/office/powerpoint/2010/main" val="975311739"/>
       </p:ext>
     </p:extLst>
   </p:cSld>
@@ -11582,8 +11757,8 @@
         </p:nvSpPr>
         <p:spPr>
           <a:xfrm>
-            <a:off x="1609344" y="347472"/>
-            <a:ext cx="9107424" cy="3416320"/>
+            <a:off x="1609344" y="347474"/>
+            <a:ext cx="9107424" cy="4524315"/>
           </a:xfrm>
           <a:prstGeom prst="rect">
             <a:avLst/>
@@ -11604,7 +11779,25 @@
                 </a:solidFill>
                 <a:latin typeface="+mn-lt"/>
               </a:rPr>
-              <a:t>Step 2:  Obtain authorization grant, access token</a:t>
+              <a:t>Step 1:  Prepare an authorization request with the “</a:t>
+            </a:r>
+            <a:r>
+              <a:rPr lang="en-US" b="0" dirty="0" err="1">
+                <a:solidFill>
+                  <a:schemeClr val="accent3"/>
+                </a:solidFill>
+                <a:latin typeface="+mn-lt"/>
+              </a:rPr>
+              <a:t>openid</a:t>
+            </a:r>
+            <a:r>
+              <a:rPr lang="en-US" b="0" dirty="0">
+                <a:solidFill>
+                  <a:schemeClr val="accent3"/>
+                </a:solidFill>
+                <a:latin typeface="+mn-lt"/>
+              </a:rPr>
+              <a:t>” scope</a:t>
             </a:r>
           </a:p>
           <a:p>
@@ -11628,7 +11821,7 @@
                 </a:solidFill>
                 <a:latin typeface="+mn-lt"/>
               </a:rPr>
-              <a:t>Click “Get Authorization Code”</a:t>
+              <a:t>In section 2, change the scopes to the following:</a:t>
             </a:r>
           </a:p>
           <a:p>
@@ -11636,17 +11829,6 @@
               <a:buFont typeface="Arial" panose="020B0604020202020204" pitchFamily="34" charset="0"/>
               <a:buChar char="•"/>
             </a:pPr>
-            <a:r>
-              <a:rPr lang="en-US" b="0" dirty="0">
-                <a:solidFill>
-                  <a:schemeClr val="accent3"/>
-                </a:solidFill>
-                <a:latin typeface="+mn-lt"/>
-              </a:rPr>
-              <a:t>Click “Get Access Token”</a:t>
-            </a:r>
-          </a:p>
-          <a:p>
             <a:endParaRPr lang="en-US" b="0" dirty="0">
               <a:solidFill>
                 <a:schemeClr val="accent3"/>
@@ -11654,12 +11836,64 @@
               <a:latin typeface="+mn-lt"/>
             </a:endParaRPr>
           </a:p>
+          <a:p>
+            <a:r>
+              <a:rPr lang="en-US" b="0" dirty="0">
+                <a:solidFill>
+                  <a:schemeClr val="accent3"/>
+                </a:solidFill>
+                <a:latin typeface="+mn-lt"/>
+              </a:rPr>
+              <a:t>user/</a:t>
+            </a:r>
+            <a:r>
+              <a:rPr lang="en-US" b="0" dirty="0" err="1">
+                <a:solidFill>
+                  <a:schemeClr val="accent3"/>
+                </a:solidFill>
+                <a:latin typeface="+mn-lt"/>
+              </a:rPr>
+              <a:t>Patient.read</a:t>
+            </a:r>
+            <a:r>
+              <a:rPr lang="en-US" b="0" dirty="0">
+                <a:solidFill>
+                  <a:schemeClr val="accent3"/>
+                </a:solidFill>
+                <a:latin typeface="+mn-lt"/>
+              </a:rPr>
+              <a:t> </a:t>
+            </a:r>
+            <a:r>
+              <a:rPr lang="en-US" b="0" dirty="0" err="1">
+                <a:solidFill>
+                  <a:schemeClr val="accent3"/>
+                </a:solidFill>
+                <a:latin typeface="+mn-lt"/>
+              </a:rPr>
+              <a:t>openid</a:t>
+            </a:r>
+            <a:endParaRPr lang="en-US" b="0" dirty="0">
+              <a:solidFill>
+                <a:schemeClr val="accent3"/>
+              </a:solidFill>
+              <a:latin typeface="+mn-lt"/>
+            </a:endParaRPr>
+          </a:p>
+          <a:p>
+            <a:endParaRPr lang="en-US" b="0" dirty="0">
+              <a:solidFill>
+                <a:schemeClr val="accent3"/>
+              </a:solidFill>
+              <a:latin typeface="+mn-lt"/>
+            </a:endParaRPr>
+          </a:p>
         </p:txBody>
       </p:sp>
     </p:spTree>
     <p:extLst>
       <p:ext uri="{BB962C8B-B14F-4D97-AF65-F5344CB8AC3E}">
-        <p14:creationId xmlns:p14="http://schemas.microsoft.com/office/powerpoint/2010/main" val="2521234261"/>
+        <p14:creationId xmlns:p14="http://schemas.microsoft.com/office/powerpoint/2010/main" val="443335589"/>
       </p:ext>
     </p:extLst>
   </p:cSld>
@@ -11695,7 +11929,7 @@
         <p:spPr>
           <a:xfrm>
             <a:off x="1609344" y="347472"/>
-            <a:ext cx="9107424" cy="2862322"/>
+            <a:ext cx="9107424" cy="3416320"/>
           </a:xfrm>
           <a:prstGeom prst="rect">
             <a:avLst/>
@@ -11716,7 +11950,7 @@
                 </a:solidFill>
                 <a:latin typeface="+mn-lt"/>
               </a:rPr>
-              <a:t>Step 3:  Evaluating the Token Response</a:t>
+              <a:t>Step 2:  Obtain authorization grant, access token</a:t>
             </a:r>
           </a:p>
           <a:p>
@@ -11740,25 +11974,22 @@
                 </a:solidFill>
                 <a:latin typeface="+mn-lt"/>
               </a:rPr>
-              <a:t>Note the token response contains an element with name “</a:t>
-            </a:r>
-            <a:r>
-              <a:rPr lang="en-US" b="0" dirty="0" err="1">
-                <a:solidFill>
-                  <a:schemeClr val="accent3"/>
-                </a:solidFill>
-                <a:latin typeface="+mn-lt"/>
-              </a:rPr>
-              <a:t>id_token</a:t>
-            </a:r>
-            <a:r>
-              <a:rPr lang="en-US" b="0" dirty="0">
-                <a:solidFill>
-                  <a:schemeClr val="accent3"/>
-                </a:solidFill>
-                <a:latin typeface="+mn-lt"/>
-              </a:rPr>
-              <a:t>”.</a:t>
+              <a:t>Click “Get Authorization Code”</a:t>
+            </a:r>
+          </a:p>
+          <a:p>
+            <a:pPr marL="571500" indent="-571500">
+              <a:buFont typeface="Arial" panose="020B0604020202020204" pitchFamily="34" charset="0"/>
+              <a:buChar char="•"/>
+            </a:pPr>
+            <a:r>
+              <a:rPr lang="en-US" b="0" dirty="0">
+                <a:solidFill>
+                  <a:schemeClr val="accent3"/>
+                </a:solidFill>
+                <a:latin typeface="+mn-lt"/>
+              </a:rPr>
+              <a:t>Click “Get Access Token”</a:t>
             </a:r>
           </a:p>
           <a:p>
@@ -11774,7 +12005,7 @@
     </p:spTree>
     <p:extLst>
       <p:ext uri="{BB962C8B-B14F-4D97-AF65-F5344CB8AC3E}">
-        <p14:creationId xmlns:p14="http://schemas.microsoft.com/office/powerpoint/2010/main" val="2139866309"/>
+        <p14:creationId xmlns:p14="http://schemas.microsoft.com/office/powerpoint/2010/main" val="2521234261"/>
       </p:ext>
     </p:extLst>
   </p:cSld>
@@ -11893,8 +12124,8 @@
         </p:nvSpPr>
         <p:spPr>
           <a:xfrm>
-            <a:off x="1609344" y="347473"/>
-            <a:ext cx="9107424" cy="7294305"/>
+            <a:off x="1609344" y="347472"/>
+            <a:ext cx="9107424" cy="2862322"/>
           </a:xfrm>
           <a:prstGeom prst="rect">
             <a:avLst/>
@@ -11915,7 +12146,7 @@
                 </a:solidFill>
                 <a:latin typeface="+mn-lt"/>
               </a:rPr>
-              <a:t>Steps to Validate OpenID Connect Tokens:</a:t>
+              <a:t>Step 3:  Evaluating the Token Response</a:t>
             </a:r>
           </a:p>
           <a:p>
@@ -11939,37 +12170,7 @@
                 </a:solidFill>
                 <a:latin typeface="+mn-lt"/>
               </a:rPr>
-              <a:t>Parse the JWT contents.</a:t>
-            </a:r>
-          </a:p>
-          <a:p>
-            <a:pPr marL="571500" indent="-571500">
-              <a:buFont typeface="Arial" panose="020B0604020202020204" pitchFamily="34" charset="0"/>
-              <a:buChar char="•"/>
-            </a:pPr>
-            <a:r>
-              <a:rPr lang="en-US" b="0" dirty="0">
-                <a:solidFill>
-                  <a:schemeClr val="accent3"/>
-                </a:solidFill>
-                <a:latin typeface="+mn-lt"/>
-              </a:rPr>
-              <a:t>Identify the “issuer”.</a:t>
-            </a:r>
-          </a:p>
-          <a:p>
-            <a:pPr marL="571500" indent="-571500">
-              <a:buFont typeface="Arial" panose="020B0604020202020204" pitchFamily="34" charset="0"/>
-              <a:buChar char="•"/>
-            </a:pPr>
-            <a:r>
-              <a:rPr lang="en-US" b="0" dirty="0">
-                <a:solidFill>
-                  <a:schemeClr val="accent3"/>
-                </a:solidFill>
-                <a:latin typeface="+mn-lt"/>
-              </a:rPr>
-              <a:t>Fetch the </a:t>
+              <a:t>Note the token response contains an element with name “</a:t>
             </a:r>
             <a:r>
               <a:rPr lang="en-US" b="0" dirty="0" err="1">
@@ -11978,72 +12179,6 @@
                 </a:solidFill>
                 <a:latin typeface="+mn-lt"/>
               </a:rPr>
-              <a:t>openid</a:t>
-            </a:r>
-            <a:r>
-              <a:rPr lang="en-US" b="0" dirty="0">
-                <a:solidFill>
-                  <a:schemeClr val="accent3"/>
-                </a:solidFill>
-                <a:latin typeface="+mn-lt"/>
-              </a:rPr>
-              <a:t>-configuration document for the issuer.</a:t>
-            </a:r>
-          </a:p>
-          <a:p>
-            <a:pPr marL="571500" indent="-571500">
-              <a:buFont typeface="Arial" panose="020B0604020202020204" pitchFamily="34" charset="0"/>
-              <a:buChar char="•"/>
-            </a:pPr>
-            <a:r>
-              <a:rPr lang="en-US" b="0" dirty="0">
-                <a:solidFill>
-                  <a:schemeClr val="accent3"/>
-                </a:solidFill>
-                <a:latin typeface="+mn-lt"/>
-              </a:rPr>
-              <a:t>Locate the JSON web keys (</a:t>
-            </a:r>
-            <a:r>
-              <a:rPr lang="en-US" b="0" dirty="0" err="1">
-                <a:solidFill>
-                  <a:schemeClr val="accent3"/>
-                </a:solidFill>
-                <a:latin typeface="+mn-lt"/>
-              </a:rPr>
-              <a:t>jwks_uri</a:t>
-            </a:r>
-            <a:r>
-              <a:rPr lang="en-US" b="0" dirty="0">
-                <a:solidFill>
-                  <a:schemeClr val="accent3"/>
-                </a:solidFill>
-                <a:latin typeface="+mn-lt"/>
-              </a:rPr>
-              <a:t>) from the configuration document.</a:t>
-            </a:r>
-          </a:p>
-          <a:p>
-            <a:pPr marL="571500" indent="-571500">
-              <a:buFont typeface="Arial" panose="020B0604020202020204" pitchFamily="34" charset="0"/>
-              <a:buChar char="•"/>
-            </a:pPr>
-            <a:r>
-              <a:rPr lang="en-US" b="0" dirty="0">
-                <a:solidFill>
-                  <a:schemeClr val="accent3"/>
-                </a:solidFill>
-                <a:latin typeface="+mn-lt"/>
-              </a:rPr>
-              <a:t>Obtain the key used to sign the </a:t>
-            </a:r>
-            <a:r>
-              <a:rPr lang="en-US" b="0" dirty="0" err="1">
-                <a:solidFill>
-                  <a:schemeClr val="accent3"/>
-                </a:solidFill>
-                <a:latin typeface="+mn-lt"/>
-              </a:rPr>
               <a:t>id_token</a:t>
             </a:r>
             <a:r>
@@ -12053,47 +12188,10 @@
                 </a:solidFill>
                 <a:latin typeface="+mn-lt"/>
               </a:rPr>
-              <a:t> from the </a:t>
-            </a:r>
-            <a:r>
-              <a:rPr lang="en-US" b="0" dirty="0" err="1">
-                <a:solidFill>
-                  <a:schemeClr val="accent3"/>
-                </a:solidFill>
-                <a:latin typeface="+mn-lt"/>
-              </a:rPr>
-              <a:t>jwk</a:t>
-            </a:r>
-            <a:r>
-              <a:rPr lang="en-US" b="0" dirty="0">
-                <a:solidFill>
-                  <a:schemeClr val="accent3"/>
-                </a:solidFill>
-                <a:latin typeface="+mn-lt"/>
-              </a:rPr>
-              <a:t> endpoint.</a:t>
-            </a:r>
-          </a:p>
-          <a:p>
-            <a:pPr marL="571500" indent="-571500">
-              <a:buFont typeface="Arial" panose="020B0604020202020204" pitchFamily="34" charset="0"/>
-              <a:buChar char="•"/>
-            </a:pPr>
-            <a:r>
-              <a:rPr lang="en-US" b="0" dirty="0">
-                <a:solidFill>
-                  <a:schemeClr val="accent3"/>
-                </a:solidFill>
-                <a:latin typeface="+mn-lt"/>
-              </a:rPr>
-              <a:t>Validate the token signature.</a:t>
-            </a:r>
-          </a:p>
-          <a:p>
-            <a:pPr marL="571500" indent="-571500">
-              <a:buFont typeface="Arial" panose="020B0604020202020204" pitchFamily="34" charset="0"/>
-              <a:buChar char="•"/>
-            </a:pPr>
+              <a:t>”.</a:t>
+            </a:r>
+          </a:p>
+          <a:p>
             <a:endParaRPr lang="en-US" b="0" dirty="0">
               <a:solidFill>
                 <a:schemeClr val="accent3"/>
@@ -12101,20 +12199,12 @@
               <a:latin typeface="+mn-lt"/>
             </a:endParaRPr>
           </a:p>
-          <a:p>
-            <a:endParaRPr lang="en-US" b="0" dirty="0">
-              <a:solidFill>
-                <a:schemeClr val="accent3"/>
-              </a:solidFill>
-              <a:latin typeface="+mn-lt"/>
-            </a:endParaRPr>
-          </a:p>
         </p:txBody>
       </p:sp>
     </p:spTree>
     <p:extLst>
       <p:ext uri="{BB962C8B-B14F-4D97-AF65-F5344CB8AC3E}">
-        <p14:creationId xmlns:p14="http://schemas.microsoft.com/office/powerpoint/2010/main" val="975311739"/>
+        <p14:creationId xmlns:p14="http://schemas.microsoft.com/office/powerpoint/2010/main" val="2139866309"/>
       </p:ext>
     </p:extLst>
   </p:cSld>
